--- a/Doc/Presentations/Posters/ME493 Poster_6_2_johnF_edits.pptx
+++ b/Doc/Presentations/Posters/ME493 Poster_6_2_johnF_edits.pptx
@@ -852,7 +852,7 @@
               </a14:hiddenFill>
             </a:ext>
             <a:ext uri="{FAA26D3D-D897-4be2-8F04-BA451C77F1D7}">
-              <ma14:placeholderFlag xmlns="" xmlns:ma14="http://schemas.microsoft.com/office/mac/drawingml/2011/main" val="1"/>
+              <ma14:placeholderFlag xmlns:ma14="http://schemas.microsoft.com/office/mac/drawingml/2011/main" xmlns="" val="1"/>
             </a:ext>
           </a:extLst>
         </p:spPr>
@@ -3732,7 +3732,7 @@
               </a14:hiddenLine>
             </a:ext>
             <a:ext uri="{FAA26D3D-D897-4be2-8F04-BA451C77F1D7}">
-              <ma14:placeholderFlag xmlns="" xmlns:ma14="http://schemas.microsoft.com/office/mac/drawingml/2011/main" val="1"/>
+              <ma14:placeholderFlag xmlns:ma14="http://schemas.microsoft.com/office/mac/drawingml/2011/main" xmlns="" val="1"/>
             </a:ext>
           </a:extLst>
         </p:spPr>
@@ -3793,7 +3793,7 @@
               </a14:hiddenLine>
             </a:ext>
             <a:ext uri="{FAA26D3D-D897-4be2-8F04-BA451C77F1D7}">
-              <ma14:placeholderFlag xmlns="" xmlns:ma14="http://schemas.microsoft.com/office/mac/drawingml/2011/main" val="1"/>
+              <ma14:placeholderFlag xmlns:ma14="http://schemas.microsoft.com/office/mac/drawingml/2011/main" xmlns="" val="1"/>
             </a:ext>
           </a:extLst>
         </p:spPr>
@@ -4880,17 +4880,7 @@
                 <a:latin typeface="Garamond" panose="02020404030301010803" pitchFamily="18" charset="0"/>
                 <a:cs typeface="Helvetica" panose="020B0604020202020204" pitchFamily="34" charset="0"/>
               </a:rPr>
-              <a:t>Measured </a:t>
-            </a:r>
-            <a:r>
-              <a:rPr lang="en-US" altLang="x-none" sz="4400" b="1" dirty="0" smtClean="0">
-                <a:solidFill>
-                  <a:srgbClr val="000000"/>
-                </a:solidFill>
-                <a:latin typeface="Garamond" panose="02020404030301010803" pitchFamily="18" charset="0"/>
-                <a:cs typeface="Helvetica" panose="020B0604020202020204" pitchFamily="34" charset="0"/>
-              </a:rPr>
-              <a:t>Performance</a:t>
+              <a:t>Measured Performance</a:t>
             </a:r>
           </a:p>
           <a:p>
@@ -5146,6 +5136,17 @@
             </a:endParaRPr>
           </a:p>
           <a:p>
+            <a:pPr algn="just" eaLnBrk="1" hangingPunct="1">
+              <a:spcBef>
+                <a:spcPct val="10000"/>
+              </a:spcBef>
+            </a:pPr>
+            <a:endParaRPr lang="en-US" sz="2400" dirty="0" smtClean="0">
+              <a:latin typeface="Helvetica" panose="020B0604020202020204" pitchFamily="34" charset="0"/>
+              <a:cs typeface="Helvetica" panose="020B0604020202020204" pitchFamily="34" charset="0"/>
+            </a:endParaRPr>
+          </a:p>
+          <a:p>
             <a:pPr eaLnBrk="1" hangingPunct="1">
               <a:spcBef>
                 <a:spcPct val="10000"/>
@@ -5503,19 +5504,8 @@
                 <a:latin typeface="Garamond" panose="02020404030301010803" pitchFamily="18" charset="0"/>
                 <a:cs typeface="Helvetica" panose="020B0604020202020204" pitchFamily="34" charset="0"/>
               </a:rPr>
-              <a:t>Pump performance </a:t>
-            </a:r>
-            <a:r>
-              <a:rPr lang="en-US" altLang="x-none" sz="2800" dirty="0" smtClean="0">
-                <a:latin typeface="Garamond" panose="02020404030301010803" pitchFamily="18" charset="0"/>
-                <a:cs typeface="Helvetica" panose="020B0604020202020204" pitchFamily="34" charset="0"/>
-              </a:rPr>
-              <a:t>characterization.</a:t>
-            </a:r>
-            <a:endParaRPr lang="en-US" altLang="x-none" sz="2800" dirty="0" smtClean="0">
-              <a:latin typeface="Garamond" panose="02020404030301010803" pitchFamily="18" charset="0"/>
-              <a:cs typeface="Helvetica" panose="020B0604020202020204" pitchFamily="34" charset="0"/>
-            </a:endParaRPr>
+              <a:t>Pump performance characterization.</a:t>
+            </a:r>
           </a:p>
           <a:p>
             <a:pPr marL="457200" indent="-457200" eaLnBrk="1" hangingPunct="1">
@@ -5869,8 +5859,8 @@
             </a:pPr>
             <a:r>
               <a:rPr lang="en-US" altLang="x-none" sz="4800" b="1" dirty="0" smtClean="0">
-                <a:latin typeface="Times New Roman" panose="02020603050405020304" pitchFamily="18" charset="0"/>
-                <a:cs typeface="Times New Roman" panose="02020603050405020304" pitchFamily="18" charset="0"/>
+                <a:latin typeface="Helvetica" panose="020B0604020202020204" pitchFamily="34" charset="0"/>
+                <a:cs typeface="Helvetica" panose="020B0604020202020204" pitchFamily="34" charset="0"/>
               </a:rPr>
               <a:t>Team Members: John C. Froehlich, Jonathan Talik, James Luce, Rawand Rasheed, Mimi Shang and Jordan Roland</a:t>
             </a:r>
@@ -5886,14 +5876,14 @@
             </a:pPr>
             <a:r>
               <a:rPr lang="is-IS" altLang="x-none" sz="4800" b="1" dirty="0" smtClean="0">
-                <a:latin typeface="Times New Roman" panose="02020603050405020304" pitchFamily="18" charset="0"/>
-                <a:cs typeface="Times New Roman" panose="02020603050405020304" pitchFamily="18" charset="0"/>
+                <a:latin typeface="Helvetica" panose="020B0604020202020204" pitchFamily="34" charset="0"/>
+                <a:cs typeface="Helvetica" panose="020B0604020202020204" pitchFamily="34" charset="0"/>
               </a:rPr>
               <a:t>Sponsor: Portland State Aerospace Society</a:t>
             </a:r>
             <a:endParaRPr lang="en-US" altLang="x-none" sz="4800" dirty="0">
-              <a:latin typeface="Times New Roman" panose="02020603050405020304" pitchFamily="18" charset="0"/>
-              <a:cs typeface="Times New Roman" panose="02020603050405020304" pitchFamily="18" charset="0"/>
+              <a:latin typeface="Helvetica" panose="020B0604020202020204" pitchFamily="34" charset="0"/>
+              <a:cs typeface="Helvetica" panose="020B0604020202020204" pitchFamily="34" charset="0"/>
             </a:endParaRPr>
           </a:p>
         </p:txBody>
@@ -6045,17 +6035,7 @@
                 <a:latin typeface="Garamond" panose="02020404030301010803" pitchFamily="18" charset="0"/>
                 <a:cs typeface="Helvetica" panose="020B0604020202020204" pitchFamily="34" charset="0"/>
               </a:rPr>
-              <a:t>Project </a:t>
-            </a:r>
-            <a:r>
-              <a:rPr lang="en-US" altLang="x-none" sz="4400" b="1" dirty="0" smtClean="0">
-                <a:solidFill>
-                  <a:srgbClr val="000000"/>
-                </a:solidFill>
-                <a:latin typeface="Garamond" panose="02020404030301010803" pitchFamily="18" charset="0"/>
-                <a:cs typeface="Helvetica" panose="020B0604020202020204" pitchFamily="34" charset="0"/>
-              </a:rPr>
-              <a:t>Website</a:t>
+              <a:t>Project Website</a:t>
             </a:r>
           </a:p>
           <a:p>
@@ -6124,7 +6104,7 @@
         </p:nvSpPr>
         <p:spPr bwMode="auto">
           <a:xfrm>
-            <a:off x="753896" y="497685"/>
+            <a:off x="753896" y="543876"/>
             <a:ext cx="42386250" cy="1815882"/>
           </a:xfrm>
           <a:prstGeom prst="rect">
@@ -6136,14 +6116,14 @@
           </a:ln>
           <a:extLst>
             <a:ext uri="{909E8E84-426E-40dd-AFC4-6F175D3DCCD1}">
-              <a14:hiddenFill xmlns:a14="http://schemas.microsoft.com/office/drawing/2010/main" xmlns="">
+              <a14:hiddenFill xmlns="" xmlns:a14="http://schemas.microsoft.com/office/drawing/2010/main">
                 <a:solidFill>
                   <a:srgbClr val="FFFFFF"/>
                 </a:solidFill>
               </a14:hiddenFill>
             </a:ext>
             <a:ext uri="{91240B29-F687-4f45-9708-019B960494DF}">
-              <a14:hiddenLine xmlns:a14="http://schemas.microsoft.com/office/drawing/2010/main" xmlns="" w="9525">
+              <a14:hiddenLine xmlns="" xmlns:a14="http://schemas.microsoft.com/office/drawing/2010/main" w="9525">
                 <a:solidFill>
                   <a:srgbClr val="000000"/>
                 </a:solidFill>
@@ -6165,24 +6145,16 @@
             </a:pPr>
             <a:r>
               <a:rPr lang="en-US" sz="11500" b="1" dirty="0" smtClean="0">
-                <a:latin typeface="Times New Roman" panose="02020603050405020304" pitchFamily="18" charset="0"/>
+                <a:latin typeface="Helvetica" panose="020B0604020202020204" pitchFamily="34" charset="0"/>
                 <a:ea typeface="ＭＳ Ｐゴシック" charset="0"/>
-                <a:cs typeface="Times New Roman" panose="02020603050405020304" pitchFamily="18" charset="0"/>
+                <a:cs typeface="Helvetica" panose="020B0604020202020204" pitchFamily="34" charset="0"/>
               </a:rPr>
-              <a:t>Electric </a:t>
-            </a:r>
-            <a:r>
-              <a:rPr lang="en-US" sz="11500" b="1" dirty="0" smtClean="0">
-                <a:latin typeface="Times New Roman" panose="02020603050405020304" pitchFamily="18" charset="0"/>
-                <a:ea typeface="ＭＳ Ｐゴシック" charset="0"/>
-                <a:cs typeface="Times New Roman" panose="02020603050405020304" pitchFamily="18" charset="0"/>
-              </a:rPr>
-              <a:t>Propellant Feed System (EFS)</a:t>
+              <a:t>Electric Propellant Feed System (EFS)</a:t>
             </a:r>
             <a:endParaRPr lang="en-US" sz="11500" b="1" dirty="0">
-              <a:latin typeface="Times New Roman" panose="02020603050405020304" pitchFamily="18" charset="0"/>
+              <a:latin typeface="Helvetica" panose="020B0604020202020204" pitchFamily="34" charset="0"/>
               <a:ea typeface="ＭＳ Ｐゴシック" charset="0"/>
-              <a:cs typeface="Times New Roman" panose="02020603050405020304" pitchFamily="18" charset="0"/>
+              <a:cs typeface="Helvetica" panose="020B0604020202020204" pitchFamily="34" charset="0"/>
             </a:endParaRPr>
           </a:p>
         </p:txBody>
@@ -6354,7 +6326,7 @@
           <a:p>
             <a:pPr eaLnBrk="1" hangingPunct="1">
               <a:spcBef>
-                <a:spcPct val="50000"/>
+                <a:spcPts val="600"/>
               </a:spcBef>
             </a:pPr>
             <a:r>
@@ -6366,9 +6338,9 @@
             </a:r>
           </a:p>
           <a:p>
-            <a:pPr algn="ctr" eaLnBrk="1" hangingPunct="1">
+            <a:pPr eaLnBrk="1" hangingPunct="1">
               <a:spcBef>
-                <a:spcPct val="50000"/>
+                <a:spcPts val="600"/>
               </a:spcBef>
             </a:pPr>
             <a:endParaRPr lang="en-US" sz="2800" dirty="0" smtClean="0">
@@ -6379,7 +6351,7 @@
           <a:p>
             <a:pPr eaLnBrk="1" hangingPunct="1">
               <a:spcBef>
-                <a:spcPct val="50000"/>
+                <a:spcPts val="600"/>
               </a:spcBef>
             </a:pPr>
             <a:r>
@@ -6422,7 +6394,35 @@
                 <a:latin typeface="Garamond" panose="02020404030301010803" pitchFamily="18" charset="0"/>
                 <a:cs typeface="Helvetica" panose="020B0604020202020204" pitchFamily="34" charset="0"/>
               </a:rPr>
-              <a:t>gas systems. </a:t>
+              <a:t>gas </a:t>
+            </a:r>
+            <a:r>
+              <a:rPr lang="en-US" sz="2800" dirty="0" smtClean="0">
+                <a:latin typeface="Garamond" panose="02020404030301010803" pitchFamily="18" charset="0"/>
+                <a:cs typeface="Helvetica" panose="020B0604020202020204" pitchFamily="34" charset="0"/>
+              </a:rPr>
+              <a:t>systems. The </a:t>
+            </a:r>
+            <a:r>
+              <a:rPr lang="en-US" sz="2800" dirty="0">
+                <a:latin typeface="Garamond" panose="02020404030301010803" pitchFamily="18" charset="0"/>
+                <a:cs typeface="Helvetica" panose="020B0604020202020204" pitchFamily="34" charset="0"/>
+              </a:rPr>
+              <a:t>complexity and cost of these methods has made building a liquid fuel rocket financially and technically difficult for the amateur </a:t>
+            </a:r>
+            <a:r>
+              <a:rPr lang="en-US" sz="2800" dirty="0" smtClean="0">
+                <a:latin typeface="Garamond" panose="02020404030301010803" pitchFamily="18" charset="0"/>
+                <a:cs typeface="Helvetica" panose="020B0604020202020204" pitchFamily="34" charset="0"/>
+              </a:rPr>
+              <a:t>rocketry </a:t>
+            </a:r>
+            <a:r>
+              <a:rPr lang="en-US" sz="2800" dirty="0">
+                <a:latin typeface="Garamond" panose="02020404030301010803" pitchFamily="18" charset="0"/>
+                <a:cs typeface="Helvetica" panose="020B0604020202020204" pitchFamily="34" charset="0"/>
+              </a:rPr>
+              <a:t>community. </a:t>
             </a:r>
             <a:endParaRPr lang="en-US" sz="2800" dirty="0" smtClean="0">
               <a:latin typeface="Garamond" panose="02020404030301010803" pitchFamily="18" charset="0"/>
@@ -6440,32 +6440,42 @@
                 <a:latin typeface="Garamond" panose="02020404030301010803" pitchFamily="18" charset="0"/>
                 <a:cs typeface="Helvetica" panose="020B0604020202020204" pitchFamily="34" charset="0"/>
               </a:rPr>
-              <a:t>The </a:t>
-            </a:r>
-            <a:r>
-              <a:rPr lang="en-US" sz="2800" dirty="0">
-                <a:latin typeface="Garamond" panose="02020404030301010803" pitchFamily="18" charset="0"/>
-                <a:cs typeface="Helvetica" panose="020B0604020202020204" pitchFamily="34" charset="0"/>
-              </a:rPr>
-              <a:t>complexity and cost of these methods has made building a liquid fuel rocket financially and technically difficult for the amateur rocket community. </a:t>
-            </a:r>
-            <a:endParaRPr lang="en-US" sz="2800" dirty="0" smtClean="0">
-              <a:latin typeface="Garamond" panose="02020404030301010803" pitchFamily="18" charset="0"/>
-              <a:cs typeface="Helvetica" panose="020B0604020202020204" pitchFamily="34" charset="0"/>
-            </a:endParaRPr>
-          </a:p>
-          <a:p>
-            <a:pPr eaLnBrk="1" hangingPunct="1">
-              <a:spcBef>
-                <a:spcPct val="50000"/>
-              </a:spcBef>
-            </a:pPr>
+              <a:t>The EFS team is</a:t>
+            </a:r>
             <a:r>
               <a:rPr lang="en-US" sz="2800" dirty="0" smtClean="0">
                 <a:latin typeface="Garamond" panose="02020404030301010803" pitchFamily="18" charset="0"/>
                 <a:cs typeface="Helvetica" panose="020B0604020202020204" pitchFamily="34" charset="0"/>
               </a:rPr>
-              <a:t>By pursuing the open source development of an electric motor powered, high speed propellant feed system, </a:t>
+              <a:t> investigating the </a:t>
+            </a:r>
+            <a:r>
+              <a:rPr lang="en-US" sz="2800" dirty="0" smtClean="0">
+                <a:latin typeface="Garamond" panose="02020404030301010803" pitchFamily="18" charset="0"/>
+                <a:cs typeface="Helvetica" panose="020B0604020202020204" pitchFamily="34" charset="0"/>
+              </a:rPr>
+              <a:t>open source development of </a:t>
+            </a:r>
+            <a:r>
+              <a:rPr lang="en-US" sz="2800" dirty="0" smtClean="0">
+                <a:latin typeface="Garamond" panose="02020404030301010803" pitchFamily="18" charset="0"/>
+                <a:cs typeface="Helvetica" panose="020B0604020202020204" pitchFamily="34" charset="0"/>
+              </a:rPr>
+              <a:t>a battery </a:t>
+            </a:r>
+            <a:r>
+              <a:rPr lang="en-US" sz="2800" dirty="0" smtClean="0">
+                <a:latin typeface="Garamond" panose="02020404030301010803" pitchFamily="18" charset="0"/>
+                <a:cs typeface="Helvetica" panose="020B0604020202020204" pitchFamily="34" charset="0"/>
+              </a:rPr>
+              <a:t>powered</a:t>
+            </a:r>
+            <a:r>
+              <a:rPr lang="en-US" sz="2800" dirty="0" smtClean="0">
+                <a:latin typeface="Garamond" panose="02020404030301010803" pitchFamily="18" charset="0"/>
+                <a:cs typeface="Helvetica" panose="020B0604020202020204" pitchFamily="34" charset="0"/>
+              </a:rPr>
+              <a:t> alternative for use in PSAS’s LV4 bi-propellant rocket (below). </a:t>
             </a:r>
             <a:endParaRPr lang="en-US" sz="2800" dirty="0">
               <a:latin typeface="Helvetica" panose="020B0604020202020204" pitchFamily="34" charset="0"/>
@@ -6654,13 +6664,6 @@
               </a:rPr>
               <a:t>Future Work </a:t>
             </a:r>
-            <a:endParaRPr lang="en-US" altLang="x-none" sz="4400" b="1" dirty="0" smtClean="0">
-              <a:solidFill>
-                <a:srgbClr val="000000"/>
-              </a:solidFill>
-              <a:latin typeface="Garamond" panose="02020404030301010803" pitchFamily="18" charset="0"/>
-              <a:cs typeface="Helvetica" panose="020B0604020202020204" pitchFamily="34" charset="0"/>
-            </a:endParaRPr>
           </a:p>
           <a:p>
             <a:pPr algn="just" eaLnBrk="1" hangingPunct="1">
@@ -6801,10 +6804,6 @@
               </a:rPr>
               <a:t>.</a:t>
             </a:r>
-            <a:endParaRPr lang="en-US" altLang="x-none" sz="2800" dirty="0" smtClean="0">
-              <a:latin typeface="Helvetica" panose="020B0604020202020204" pitchFamily="34" charset="0"/>
-              <a:cs typeface="Helvetica" panose="020B0604020202020204" pitchFamily="34" charset="0"/>
-            </a:endParaRPr>
           </a:p>
         </p:txBody>
       </p:sp>
@@ -6896,14 +6895,14 @@
                 <a:gridCol w="4025137">
                   <a:extLst>
                     <a:ext uri="{9D8B030D-6E8A-4147-A177-3AD203B41FA5}">
-                      <a16:colId xmlns:a16="http://schemas.microsoft.com/office/drawing/2014/main" xmlns="" val="20000"/>
+                      <a16:colId xmlns="" xmlns:a16="http://schemas.microsoft.com/office/drawing/2014/main" val="20000"/>
                     </a:ext>
                   </a:extLst>
                 </a:gridCol>
                 <a:gridCol w="4209496">
                   <a:extLst>
                     <a:ext uri="{9D8B030D-6E8A-4147-A177-3AD203B41FA5}">
-                      <a16:colId xmlns:a16="http://schemas.microsoft.com/office/drawing/2014/main" xmlns="" val="20001"/>
+                      <a16:colId xmlns="" xmlns:a16="http://schemas.microsoft.com/office/drawing/2014/main" val="20001"/>
                     </a:ext>
                   </a:extLst>
                 </a:gridCol>
@@ -6936,18 +6935,7 @@
                           <a:ea typeface="ＭＳ Ｐゴシック" charset="-128"/>
                           <a:cs typeface="Helvetica" panose="020B0604020202020204" pitchFamily="34" charset="0"/>
                         </a:rPr>
-                        <a:t>Erin </a:t>
-                      </a:r>
-                      <a:r>
-                        <a:rPr lang="en-US" altLang="x-none" sz="2800" kern="1200" dirty="0" smtClean="0">
-                          <a:solidFill>
-                            <a:schemeClr val="tx1"/>
-                          </a:solidFill>
-                          <a:latin typeface="Garamond" panose="02020404030301010803" pitchFamily="18" charset="0"/>
-                          <a:ea typeface="ＭＳ Ｐゴシック" charset="-128"/>
-                          <a:cs typeface="Helvetica" panose="020B0604020202020204" pitchFamily="34" charset="0"/>
-                        </a:rPr>
-                        <a:t>Schmidt</a:t>
+                        <a:t>Erin Schmidt</a:t>
                       </a:r>
                     </a:p>
                     <a:p>
@@ -7155,7 +7143,7 @@
                 </a:tc>
                 <a:extLst>
                   <a:ext uri="{0D108BD9-81ED-4DB2-BD59-A6C34878D82A}">
-                    <a16:rowId xmlns:a16="http://schemas.microsoft.com/office/drawing/2014/main" xmlns="" val="10000"/>
+                    <a16:rowId xmlns="" xmlns:a16="http://schemas.microsoft.com/office/drawing/2014/main" val="10000"/>
                   </a:ext>
                 </a:extLst>
               </a:tr>
@@ -7955,14 +7943,7 @@
                 <a:latin typeface="Garamond" panose="02020404030301010803" pitchFamily="18" charset="0"/>
                 <a:cs typeface="Helvetica" panose="020B0604020202020204" pitchFamily="34" charset="0"/>
               </a:rPr>
-              <a:t>Modular </a:t>
-            </a:r>
-            <a:r>
-              <a:rPr lang="en-US" sz="2800" dirty="0" smtClean="0">
-                <a:latin typeface="Garamond" panose="02020404030301010803" pitchFamily="18" charset="0"/>
-                <a:cs typeface="Helvetica" panose="020B0604020202020204" pitchFamily="34" charset="0"/>
-              </a:rPr>
-              <a:t>diffuser mount</a:t>
+              <a:t>Modular diffuser mount</a:t>
             </a:r>
             <a:endParaRPr lang="en-US" sz="2800" dirty="0">
               <a:latin typeface="Garamond" panose="02020404030301010803" pitchFamily="18" charset="0"/>
@@ -8104,84 +8085,7 @@
                 <a:latin typeface="Garamond" panose="02020404030301010803" pitchFamily="18" charset="0"/>
                 <a:cs typeface="Helvetica" panose="020B0604020202020204" pitchFamily="34" charset="0"/>
               </a:rPr>
-              <a:t>The EFS </a:t>
-            </a:r>
-            <a:r>
-              <a:rPr lang="en-US" sz="2800" dirty="0" smtClean="0">
-                <a:latin typeface="Garamond" panose="02020404030301010803" pitchFamily="18" charset="0"/>
-                <a:cs typeface="Helvetica" panose="020B0604020202020204" pitchFamily="34" charset="0"/>
-              </a:rPr>
-              <a:t>system uses an </a:t>
-            </a:r>
-            <a:r>
-              <a:rPr lang="en-US" sz="2800" dirty="0" smtClean="0">
-                <a:latin typeface="Garamond" panose="02020404030301010803" pitchFamily="18" charset="0"/>
-                <a:cs typeface="Helvetica" panose="020B0604020202020204" pitchFamily="34" charset="0"/>
-              </a:rPr>
-              <a:t>unorthodox </a:t>
-            </a:r>
-            <a:r>
-              <a:rPr lang="en-US" sz="2800" dirty="0" smtClean="0">
-                <a:latin typeface="Garamond" panose="02020404030301010803" pitchFamily="18" charset="0"/>
-                <a:cs typeface="Helvetica" panose="020B0604020202020204" pitchFamily="34" charset="0"/>
-              </a:rPr>
-              <a:t>Barske straight blade </a:t>
-            </a:r>
-            <a:r>
-              <a:rPr lang="en-US" sz="2800" dirty="0" smtClean="0">
-                <a:latin typeface="Garamond" panose="02020404030301010803" pitchFamily="18" charset="0"/>
-                <a:cs typeface="Helvetica" panose="020B0604020202020204" pitchFamily="34" charset="0"/>
-              </a:rPr>
-              <a:t>impeller </a:t>
-            </a:r>
-            <a:r>
-              <a:rPr lang="en-US" sz="2800" dirty="0" smtClean="0">
-                <a:latin typeface="Garamond" panose="02020404030301010803" pitchFamily="18" charset="0"/>
-                <a:cs typeface="Helvetica" panose="020B0604020202020204" pitchFamily="34" charset="0"/>
-              </a:rPr>
-              <a:t>to meet </a:t>
-            </a:r>
-            <a:r>
-              <a:rPr lang="en-US" sz="2800" dirty="0" smtClean="0">
-                <a:latin typeface="Garamond" panose="02020404030301010803" pitchFamily="18" charset="0"/>
-                <a:cs typeface="Helvetica" panose="020B0604020202020204" pitchFamily="34" charset="0"/>
-              </a:rPr>
-              <a:t>the</a:t>
-            </a:r>
-            <a:r>
-              <a:rPr lang="en-US" sz="2800" dirty="0" smtClean="0">
-                <a:latin typeface="Garamond" panose="02020404030301010803" pitchFamily="18" charset="0"/>
-                <a:cs typeface="Helvetica" panose="020B0604020202020204" pitchFamily="34" charset="0"/>
-              </a:rPr>
-              <a:t> unusually </a:t>
-            </a:r>
-            <a:r>
-              <a:rPr lang="en-US" sz="2800" dirty="0" smtClean="0">
-                <a:latin typeface="Garamond" panose="02020404030301010803" pitchFamily="18" charset="0"/>
-                <a:cs typeface="Helvetica" panose="020B0604020202020204" pitchFamily="34" charset="0"/>
-              </a:rPr>
-              <a:t>high head, low flow </a:t>
-            </a:r>
-            <a:r>
-              <a:rPr lang="en-US" sz="2800" dirty="0" smtClean="0">
-                <a:latin typeface="Garamond" panose="02020404030301010803" pitchFamily="18" charset="0"/>
-                <a:cs typeface="Helvetica" panose="020B0604020202020204" pitchFamily="34" charset="0"/>
-              </a:rPr>
-              <a:t>engine requirements</a:t>
-            </a:r>
-            <a:r>
-              <a:rPr lang="en-US" sz="2800" dirty="0" smtClean="0">
-                <a:latin typeface="Garamond" panose="02020404030301010803" pitchFamily="18" charset="0"/>
-                <a:cs typeface="Helvetica" panose="020B0604020202020204" pitchFamily="34" charset="0"/>
-              </a:rPr>
-              <a:t>. </a:t>
-            </a:r>
-            <a:r>
-              <a:rPr lang="en-US" sz="2800" dirty="0" smtClean="0">
-                <a:latin typeface="Garamond" panose="02020404030301010803" pitchFamily="18" charset="0"/>
-                <a:cs typeface="Helvetica" panose="020B0604020202020204" pitchFamily="34" charset="0"/>
-              </a:rPr>
-              <a:t>Final designs </a:t>
+              <a:t>The EFS system uses an unorthodox Barske straight blade impeller to meet the unusually high head, low flow engine requirements. Final designs </a:t>
             </a:r>
             <a:r>
               <a:rPr lang="en-US" sz="2800" dirty="0">
@@ -8195,14 +8099,7 @@
                 <a:latin typeface="Garamond" panose="02020404030301010803" pitchFamily="18" charset="0"/>
                 <a:cs typeface="Helvetica" panose="020B0604020202020204" pitchFamily="34" charset="0"/>
               </a:rPr>
-              <a:t>3D </a:t>
-            </a:r>
-            <a:r>
-              <a:rPr lang="en-US" sz="2800" dirty="0" smtClean="0">
-                <a:latin typeface="Garamond" panose="02020404030301010803" pitchFamily="18" charset="0"/>
-                <a:cs typeface="Helvetica" panose="020B0604020202020204" pitchFamily="34" charset="0"/>
-              </a:rPr>
-              <a:t>Printed </a:t>
+              <a:t>3D Printed </a:t>
             </a:r>
             <a:r>
               <a:rPr lang="en-US" sz="2800" dirty="0">
@@ -8295,96 +8192,47 @@
                 <a:latin typeface="Garamond" panose="02020404030301010803" pitchFamily="18" charset="0"/>
                 <a:cs typeface="Helvetica" panose="020B0604020202020204" pitchFamily="34" charset="0"/>
               </a:rPr>
-              <a:t>Arduino </a:t>
-            </a:r>
+              <a:t>Arduino microcontroller used for motor control and system data acquisition.</a:t>
+            </a:r>
+          </a:p>
+          <a:p>
+            <a:pPr marL="457200" indent="-457200">
+              <a:buFont typeface="Arial" panose="020B0604020202020204" pitchFamily="34" charset="0"/>
+              <a:buChar char="•"/>
+            </a:pPr>
             <a:r>
               <a:rPr lang="en-US" sz="2800" dirty="0" smtClean="0">
                 <a:latin typeface="Garamond" panose="02020404030301010803" pitchFamily="18" charset="0"/>
                 <a:cs typeface="Helvetica" panose="020B0604020202020204" pitchFamily="34" charset="0"/>
               </a:rPr>
-              <a:t>microcontroller used for motor control and </a:t>
-            </a:r>
+              <a:t>Variables monitored: Suction pressure, discharge pressure, volute and seal cavity pressures, RPM, flow rate, inlet temperature and shaft torque.</a:t>
+            </a:r>
+          </a:p>
+          <a:p>
+            <a:pPr marL="457200" indent="-457200">
+              <a:buFont typeface="Arial" panose="020B0604020202020204" pitchFamily="34" charset="0"/>
+              <a:buChar char="•"/>
+            </a:pPr>
             <a:r>
               <a:rPr lang="en-US" sz="2800" dirty="0" smtClean="0">
                 <a:latin typeface="Garamond" panose="02020404030301010803" pitchFamily="18" charset="0"/>
                 <a:cs typeface="Helvetica" panose="020B0604020202020204" pitchFamily="34" charset="0"/>
               </a:rPr>
-              <a:t>system data </a:t>
+              <a:t>Constant inlet pressure (~45 psi) </a:t>
             </a:r>
             <a:r>
               <a:rPr lang="en-US" sz="2800" dirty="0" smtClean="0">
                 <a:latin typeface="Garamond" panose="02020404030301010803" pitchFamily="18" charset="0"/>
                 <a:cs typeface="Helvetica" panose="020B0604020202020204" pitchFamily="34" charset="0"/>
               </a:rPr>
-              <a:t>acquisition.</a:t>
-            </a:r>
-          </a:p>
-          <a:p>
-            <a:pPr marL="457200" indent="-457200">
-              <a:buFont typeface="Arial" panose="020B0604020202020204" pitchFamily="34" charset="0"/>
-              <a:buChar char="•"/>
-            </a:pPr>
+              <a:t>is provided </a:t>
+            </a:r>
             <a:r>
               <a:rPr lang="en-US" sz="2800" dirty="0" smtClean="0">
                 <a:latin typeface="Garamond" panose="02020404030301010803" pitchFamily="18" charset="0"/>
                 <a:cs typeface="Helvetica" panose="020B0604020202020204" pitchFamily="34" charset="0"/>
               </a:rPr>
-              <a:t>Variables </a:t>
-            </a:r>
-            <a:r>
-              <a:rPr lang="en-US" sz="2800" dirty="0" smtClean="0">
-                <a:latin typeface="Garamond" panose="02020404030301010803" pitchFamily="18" charset="0"/>
-                <a:cs typeface="Helvetica" panose="020B0604020202020204" pitchFamily="34" charset="0"/>
-              </a:rPr>
-              <a:t>monitored: Suction pressure, discharge pressure, volute and seal cavity pressures, RPM, flow rate, </a:t>
-            </a:r>
-            <a:r>
-              <a:rPr lang="en-US" sz="2800" dirty="0" smtClean="0">
-                <a:latin typeface="Garamond" panose="02020404030301010803" pitchFamily="18" charset="0"/>
-                <a:cs typeface="Helvetica" panose="020B0604020202020204" pitchFamily="34" charset="0"/>
-              </a:rPr>
-              <a:t>inlet temperature and shaft </a:t>
-            </a:r>
-            <a:r>
-              <a:rPr lang="en-US" sz="2800" dirty="0" smtClean="0">
-                <a:latin typeface="Garamond" panose="02020404030301010803" pitchFamily="18" charset="0"/>
-                <a:cs typeface="Helvetica" panose="020B0604020202020204" pitchFamily="34" charset="0"/>
-              </a:rPr>
-              <a:t>torque.</a:t>
-            </a:r>
-          </a:p>
-          <a:p>
-            <a:pPr marL="457200" indent="-457200">
-              <a:buFont typeface="Arial" panose="020B0604020202020204" pitchFamily="34" charset="0"/>
-              <a:buChar char="•"/>
-            </a:pPr>
-            <a:r>
-              <a:rPr lang="en-US" sz="2800" dirty="0" smtClean="0">
-                <a:latin typeface="Garamond" panose="02020404030301010803" pitchFamily="18" charset="0"/>
-                <a:cs typeface="Helvetica" panose="020B0604020202020204" pitchFamily="34" charset="0"/>
-              </a:rPr>
-              <a:t>Constant i</a:t>
-            </a:r>
-            <a:r>
-              <a:rPr lang="en-US" sz="2800" dirty="0" smtClean="0">
-                <a:latin typeface="Garamond" panose="02020404030301010803" pitchFamily="18" charset="0"/>
-                <a:cs typeface="Helvetica" panose="020B0604020202020204" pitchFamily="34" charset="0"/>
-              </a:rPr>
-              <a:t>nlet </a:t>
-            </a:r>
-            <a:r>
-              <a:rPr lang="en-US" sz="2800" dirty="0" smtClean="0">
-                <a:latin typeface="Garamond" panose="02020404030301010803" pitchFamily="18" charset="0"/>
-                <a:cs typeface="Helvetica" panose="020B0604020202020204" pitchFamily="34" charset="0"/>
-              </a:rPr>
-              <a:t>pressure (~45 psi) provided via a 42 gallon water </a:t>
-            </a:r>
-            <a:r>
-              <a:rPr lang="en-US" sz="2800" dirty="0" smtClean="0">
-                <a:latin typeface="Garamond" panose="02020404030301010803" pitchFamily="18" charset="0"/>
-                <a:cs typeface="Helvetica" panose="020B0604020202020204" pitchFamily="34" charset="0"/>
-              </a:rPr>
-              <a:t>tank.</a:t>
+              <a:t>via a 42 gallon water tank.</a:t>
             </a:r>
           </a:p>
           <a:p>
@@ -8399,10 +8247,6 @@
               </a:rPr>
               <a:t>Flow is controlled during testing using a gate valve on the discharge side.</a:t>
             </a:r>
-            <a:endParaRPr lang="en-US" sz="2800" dirty="0" smtClean="0">
-              <a:latin typeface="Garamond" panose="02020404030301010803" pitchFamily="18" charset="0"/>
-              <a:cs typeface="Helvetica" panose="020B0604020202020204" pitchFamily="34" charset="0"/>
-            </a:endParaRPr>
           </a:p>
           <a:p>
             <a:pPr marL="457200" indent="-457200">
@@ -8414,7 +8258,28 @@
                 <a:latin typeface="Garamond" panose="02020404030301010803" pitchFamily="18" charset="0"/>
                 <a:cs typeface="Helvetica" panose="020B0604020202020204" pitchFamily="34" charset="0"/>
               </a:rPr>
-              <a:t>Motor and speed controller water cooled </a:t>
+              <a:t>Motor and speed </a:t>
+            </a:r>
+            <a:r>
+              <a:rPr lang="en-US" sz="2800" dirty="0" smtClean="0">
+                <a:latin typeface="Garamond" panose="02020404030301010803" pitchFamily="18" charset="0"/>
+                <a:cs typeface="Helvetica" panose="020B0604020202020204" pitchFamily="34" charset="0"/>
+              </a:rPr>
+              <a:t>controller require </a:t>
+            </a:r>
+            <a:r>
+              <a:rPr lang="en-US" sz="2800" dirty="0" smtClean="0">
+                <a:latin typeface="Garamond" panose="02020404030301010803" pitchFamily="18" charset="0"/>
+                <a:cs typeface="Helvetica" panose="020B0604020202020204" pitchFamily="34" charset="0"/>
+              </a:rPr>
+              <a:t>water </a:t>
+            </a:r>
+            <a:r>
+              <a:rPr lang="en-US" sz="2800" dirty="0" smtClean="0">
+                <a:latin typeface="Garamond" panose="02020404030301010803" pitchFamily="18" charset="0"/>
+                <a:cs typeface="Helvetica" panose="020B0604020202020204" pitchFamily="34" charset="0"/>
+              </a:rPr>
+              <a:t>cooling </a:t>
             </a:r>
             <a:r>
               <a:rPr lang="en-US" sz="2800" dirty="0" smtClean="0">
